--- a/latest.pptx
+++ b/latest.pptx
@@ -2962,82 +2962,6 @@
           </a:p>
         </p:txBody>
       </p:sp>
-      <p:sp>
-        <p:nvSpPr>
-          <p:cNvPr id="7" name="Title 28"/>
-          <p:cNvSpPr>
-            <a:spLocks noGrp="1"/>
-          </p:cNvSpPr>
-          <p:nvPr>
-            <p:ph type="title"/>
-          </p:nvPr>
-        </p:nvSpPr>
-        <p:spPr>
-          <a:xfrm>
-            <a:off x="603995" y="784409"/>
-            <a:ext cx="5923430" cy="361894"/>
-          </a:xfrm>
-        </p:spPr>
-        <p:txBody>
-          <a:bodyPr>
-            <a:noAutofit/>
-          </a:bodyPr>
-          <a:lstStyle/>
-          <a:p>
-            <a:r>
-              <a:rPr lang="en-US" sz="2000" dirty="0"/>
-              <a:t>[</a:t>
-            </a:r>
-            <a:r>
-              <a:rPr lang="en-US" sz="2000" dirty="0" err="1"/>
-              <a:t>CompanyName</a:t>
-            </a:r>
-            <a:r>
-              <a:rPr lang="en-US" sz="2000" dirty="0"/>
-              <a:t>]</a:t>
-            </a:r>
-            <a:endParaRPr lang="en-US" sz="2000" dirty="0"/>
-          </a:p>
-        </p:txBody>
-      </p:sp>
-      <p:sp>
-        <p:nvSpPr>
-          <p:cNvPr id="9" name="Title 28"/>
-          <p:cNvSpPr>
-            <a:spLocks noGrp="1"/>
-          </p:cNvSpPr>
-          <p:nvPr>
-            <p:ph type="title"/>
-          </p:nvPr>
-        </p:nvSpPr>
-        <p:spPr>
-          <a:xfrm>
-            <a:off x="603996" y="1273739"/>
-            <a:ext cx="5923430" cy="267078"/>
-          </a:xfrm>
-        </p:spPr>
-        <p:txBody>
-          <a:bodyPr>
-            <a:noAutofit/>
-          </a:bodyPr>
-          <a:lstStyle/>
-          <a:p>
-            <a:r>
-              <a:rPr lang="en-US" sz="1800" dirty="0"/>
-              <a:t>[</a:t>
-            </a:r>
-            <a:r>
-              <a:rPr lang="en-US" sz="1800" dirty="0" err="1"/>
-              <a:t>CompanyMotto</a:t>
-            </a:r>
-            <a:r>
-              <a:rPr lang="en-US" sz="1800" dirty="0"/>
-              <a:t>]</a:t>
-            </a:r>
-            <a:endParaRPr lang="en-US" sz="1800" dirty="0"/>
-          </a:p>
-        </p:txBody>
-      </p:sp>
       <p:pic>
         <p:nvPicPr>
           <p:cNvPr id="12" name="Picture 11"/>
@@ -3129,6 +3053,62 @@
           </a:prstGeom>
         </p:spPr>
       </p:pic>
+      <p:sp>
+        <p:nvSpPr>
+          <p:cNvPr id="2" name="Title 1"/>
+          <p:cNvSpPr/>
+          <p:nvPr>
+            <p:ph type="title"/>
+          </p:nvPr>
+        </p:nvSpPr>
+        <p:spPr>
+          <a:xfrm>
+            <a:off x="838200" y="365125"/>
+            <a:ext cx="7286625" cy="908685"/>
+          </a:xfrm>
+        </p:spPr>
+        <p:txBody>
+          <a:bodyPr/>
+          <a:p>
+            <a:r>
+              <a:rPr lang="en-US" sz="2000"/>
+              <a:t>[</a:t>
+            </a:r>
+            <a:r>
+              <a:rPr lang="en-US" sz="2000"/>
+              <a:t>CompanyName]</a:t>
+            </a:r>
+            <a:endParaRPr lang="en-US" sz="2000"/>
+          </a:p>
+        </p:txBody>
+      </p:sp>
+      <p:sp>
+        <p:nvSpPr>
+          <p:cNvPr id="3" name="Title 2"/>
+          <p:cNvSpPr/>
+          <p:nvPr>
+            <p:ph type="title"/>
+          </p:nvPr>
+        </p:nvSpPr>
+        <p:spPr>
+          <a:xfrm>
+            <a:off x="838200" y="1179830"/>
+            <a:ext cx="10515600" cy="511175"/>
+          </a:xfrm>
+        </p:spPr>
+        <p:txBody>
+          <a:bodyPr>
+            <a:normAutofit/>
+          </a:bodyPr>
+          <a:p>
+            <a:r>
+              <a:rPr lang="en-US" sz="1665"/>
+              <a:t>[ComapanyMotto]</a:t>
+            </a:r>
+            <a:endParaRPr lang="en-US" sz="1665"/>
+          </a:p>
+        </p:txBody>
+      </p:sp>
     </p:spTree>
   </p:cSld>
   <p:clrMapOvr>
@@ -3349,15 +3329,7 @@
             <a:pPr algn="ctr"/>
             <a:r>
               <a:rPr lang="en-US" sz="1600" dirty="0"/>
-              <a:t>[</a:t>
-            </a:r>
-            <a:r>
-              <a:rPr lang="en-US" sz="1600" dirty="0" err="1"/>
-              <a:t>FooterRight</a:t>
-            </a:r>
-            <a:r>
-              <a:rPr lang="en-US" sz="1600" dirty="0"/>
-              <a:t>]</a:t>
+              <a:t>[FooterRight]</a:t>
             </a:r>
             <a:endParaRPr lang="en-US" sz="1600" dirty="0"/>
           </a:p>
@@ -3414,29 +3386,17 @@
         </p:nvSpPr>
         <p:spPr>
           <a:xfrm>
-            <a:off x="5529580" y="6129655"/>
-            <a:ext cx="1529080" cy="388620"/>
+            <a:off x="6491605" y="6129655"/>
+            <a:ext cx="567055" cy="388620"/>
           </a:xfrm>
         </p:spPr>
         <p:txBody>
           <a:bodyPr>
-            <a:normAutofit fontScale="90000"/>
+            <a:normAutofit/>
           </a:bodyPr>
           <a:lstStyle/>
           <a:p>
             <a:pPr algn="ctr"/>
-            <a:r>
-              <a:rPr lang="en-US" sz="1600" dirty="0"/>
-              <a:t>[</a:t>
-            </a:r>
-            <a:r>
-              <a:rPr lang="en-US" sz="1600" dirty="0" err="1"/>
-              <a:t>FooterCenter</a:t>
-            </a:r>
-            <a:r>
-              <a:rPr lang="en-US" sz="1600" dirty="0"/>
-              <a:t>]</a:t>
-            </a:r>
             <a:endParaRPr lang="en-US" sz="1600" dirty="0"/>
           </a:p>
         </p:txBody>

--- a/latest.pptx
+++ b/latest.pptx
@@ -3071,12 +3071,22 @@
           <a:bodyPr/>
           <a:p>
             <a:r>
-              <a:rPr lang="en-US" sz="2000"/>
-              <a:t>[</a:t>
-            </a:r>
-            <a:r>
-              <a:rPr lang="en-US" sz="2000"/>
-              <a:t>CompanyName]</a:t>
+              <a:rPr kumimoji="1" lang="en-US" altLang="zh-TW" sz="2000" b="1">
+                <a:solidFill>
+                  <a:srgbClr val="FFFFFF"/>
+                </a:solidFill>
+                <a:effectLst>
+                  <a:glow rad="127000">
+                    <a:srgbClr val="333399">
+                      <a:lumMod val="75000"/>
+                    </a:srgbClr>
+                  </a:glow>
+                </a:effectLst>
+                <a:latin typeface="Microsoft JhengHei" panose="020B0604030504040204" pitchFamily="34" charset="-120"/>
+                <a:ea typeface="Microsoft JhengHei" panose="020B0604030504040204" pitchFamily="34" charset="-120"/>
+                <a:sym typeface="+mn-ea"/>
+              </a:rPr>
+              <a:t>[CompanyName]</a:t>
             </a:r>
             <a:endParaRPr lang="en-US" sz="2000"/>
           </a:p>
@@ -3102,8 +3112,21 @@
           </a:bodyPr>
           <a:p>
             <a:r>
-              <a:rPr lang="en-US" sz="1665"/>
-              <a:t>[ComapanyMotto]</a:t>
+              <a:rPr lang="en-US" altLang="zh-TW" sz="1665" dirty="0">
+                <a:solidFill>
+                  <a:srgbClr val="FFFFFF"/>
+                </a:solidFill>
+                <a:effectLst>
+                  <a:glow rad="127000">
+                    <a:srgbClr val="333399">
+                      <a:lumMod val="75000"/>
+                    </a:srgbClr>
+                  </a:glow>
+                </a:effectLst>
+                <a:ea typeface="Microsoft JhengHei" panose="020B0604030504040204" pitchFamily="34" charset="-120"/>
+                <a:sym typeface="+mn-ea"/>
+              </a:rPr>
+              <a:t>[CompanyMotto]</a:t>
             </a:r>
             <a:endParaRPr lang="en-US" sz="1665"/>
           </a:p>

--- a/latest.pptx
+++ b/latest.pptx
@@ -5,7 +5,7 @@
     <p:sldMasterId id="2147483648" r:id="rId1"/>
   </p:sldMasterIdLst>
   <p:sldIdLst>
-    <p:sldId id="257" r:id="rId3"/>
+    <p:sldId id="261" r:id="rId3"/>
     <p:sldId id="256" r:id="rId4"/>
   </p:sldIdLst>
   <p:sldSz cx="12192000" cy="6858000"/>
@@ -637,6 +637,173 @@
 </p:sldLayout>
 </file>
 
+<file path=ppt/slideLayouts/slideLayout12.xml><?xml version="1.0" encoding="utf-8"?>
+<p:sldLayout xmlns:a="http://schemas.openxmlformats.org/drawingml/2006/main" xmlns:r="http://schemas.openxmlformats.org/officeDocument/2006/relationships" xmlns:p="http://schemas.openxmlformats.org/presentationml/2006/main" type="tx" preserve="1">
+  <p:cSld name="Title and Text">
+    <p:spTree>
+      <p:nvGrpSpPr>
+        <p:cNvPr id="1" name=""/>
+        <p:cNvGrpSpPr/>
+        <p:nvPr/>
+      </p:nvGrpSpPr>
+      <p:grpSpPr>
+        <a:xfrm>
+          <a:off x="0" y="0"/>
+          <a:ext cx="0" cy="0"/>
+          <a:chOff x="0" y="0"/>
+          <a:chExt cx="0" cy="0"/>
+        </a:xfrm>
+      </p:grpSpPr>
+      <p:sp>
+        <p:nvSpPr>
+          <p:cNvPr id="2" name="Title 1"/>
+          <p:cNvSpPr>
+            <a:spLocks noGrp="1"/>
+          </p:cNvSpPr>
+          <p:nvPr>
+            <p:ph type="title"/>
+          </p:nvPr>
+        </p:nvSpPr>
+        <p:spPr/>
+        <p:txBody>
+          <a:bodyPr/>
+          <a:lstStyle/>
+          <a:p>
+            <a:r>
+              <a:rPr lang="en-US" smtClean="0"/>
+              <a:t>Click to edit Master title style</a:t>
+            </a:r>
+            <a:endParaRPr lang="en-US"/>
+          </a:p>
+        </p:txBody>
+      </p:sp>
+      <p:sp>
+        <p:nvSpPr>
+          <p:cNvPr id="3" name="Text Placeholder 2"/>
+          <p:cNvSpPr>
+            <a:spLocks noGrp="1"/>
+          </p:cNvSpPr>
+          <p:nvPr>
+            <p:ph type="body" idx="1"/>
+          </p:nvPr>
+        </p:nvSpPr>
+        <p:spPr/>
+        <p:txBody>
+          <a:bodyPr/>
+          <a:lstStyle/>
+          <a:p>
+            <a:pPr lvl="0"/>
+            <a:r>
+              <a:rPr lang="en-US" smtClean="0"/>
+              <a:t>Click to edit Master text styles</a:t>
+            </a:r>
+            <a:endParaRPr lang="en-US" smtClean="0"/>
+          </a:p>
+          <a:p>
+            <a:pPr lvl="1"/>
+            <a:r>
+              <a:rPr lang="en-US" smtClean="0"/>
+              <a:t>Second level</a:t>
+            </a:r>
+            <a:endParaRPr lang="en-US" smtClean="0"/>
+          </a:p>
+          <a:p>
+            <a:pPr lvl="2"/>
+            <a:r>
+              <a:rPr lang="en-US" smtClean="0"/>
+              <a:t>Third level</a:t>
+            </a:r>
+            <a:endParaRPr lang="en-US" smtClean="0"/>
+          </a:p>
+          <a:p>
+            <a:pPr lvl="3"/>
+            <a:r>
+              <a:rPr lang="en-US" smtClean="0"/>
+              <a:t>Fourth level</a:t>
+            </a:r>
+            <a:endParaRPr lang="en-US" smtClean="0"/>
+          </a:p>
+          <a:p>
+            <a:pPr lvl="4"/>
+            <a:r>
+              <a:rPr lang="en-US" smtClean="0"/>
+              <a:t>Fifth level</a:t>
+            </a:r>
+            <a:endParaRPr lang="en-US"/>
+          </a:p>
+        </p:txBody>
+      </p:sp>
+      <p:sp>
+        <p:nvSpPr>
+          <p:cNvPr id="4" name="Date Placeholder 3"/>
+          <p:cNvSpPr>
+            <a:spLocks noGrp="1"/>
+          </p:cNvSpPr>
+          <p:nvPr>
+            <p:ph type="dt" sz="half" idx="10"/>
+          </p:nvPr>
+        </p:nvSpPr>
+        <p:spPr/>
+        <p:txBody>
+          <a:bodyPr/>
+          <a:lstStyle/>
+          <a:p>
+            <a:fld id="{2A73CDD0-50B5-A841-83F2-9EA635F0F434}" type="datetimeFigureOut">
+              <a:rPr lang="en-US" smtClean="0"/>
+            </a:fld>
+            <a:endParaRPr lang="en-US"/>
+          </a:p>
+        </p:txBody>
+      </p:sp>
+      <p:sp>
+        <p:nvSpPr>
+          <p:cNvPr id="5" name="Footer Placeholder 4"/>
+          <p:cNvSpPr>
+            <a:spLocks noGrp="1"/>
+          </p:cNvSpPr>
+          <p:nvPr>
+            <p:ph type="ftr" sz="quarter" idx="11"/>
+          </p:nvPr>
+        </p:nvSpPr>
+        <p:spPr/>
+        <p:txBody>
+          <a:bodyPr/>
+          <a:lstStyle/>
+          <a:p>
+            <a:endParaRPr lang="en-US"/>
+          </a:p>
+        </p:txBody>
+      </p:sp>
+      <p:sp>
+        <p:nvSpPr>
+          <p:cNvPr id="6" name="Slide Number Placeholder 5"/>
+          <p:cNvSpPr>
+            <a:spLocks noGrp="1"/>
+          </p:cNvSpPr>
+          <p:nvPr>
+            <p:ph type="sldNum" sz="quarter" idx="12"/>
+          </p:nvPr>
+        </p:nvSpPr>
+        <p:spPr/>
+        <p:txBody>
+          <a:bodyPr/>
+          <a:lstStyle/>
+          <a:p>
+            <a:fld id="{15B0F879-0EF3-714B-8339-AFD3FFD574A9}" type="slidenum">
+              <a:rPr lang="en-US" smtClean="0"/>
+            </a:fld>
+            <a:endParaRPr lang="en-US"/>
+          </a:p>
+        </p:txBody>
+      </p:sp>
+    </p:spTree>
+  </p:cSld>
+  <p:clrMapOvr>
+    <a:masterClrMapping/>
+  </p:clrMapOvr>
+</p:sldLayout>
+</file>
+
 <file path=ppt/slideLayouts/slideLayout2.xml><?xml version="1.0" encoding="utf-8"?>
 <p:sldLayout xmlns:a="http://schemas.openxmlformats.org/drawingml/2006/main" xmlns:r="http://schemas.openxmlformats.org/officeDocument/2006/relationships" xmlns:p="http://schemas.openxmlformats.org/presentationml/2006/main" type="obj" preserve="1">
   <p:cSld name="Title and Content">
@@ -2621,6 +2788,7 @@
     <p:sldLayoutId id="2147483657" r:id="rId9"/>
     <p:sldLayoutId id="2147483658" r:id="rId10"/>
     <p:sldLayoutId id="2147483659" r:id="rId11"/>
+    <p:sldLayoutId id="2147483660" r:id="rId12"/>
   </p:sldLayoutIdLst>
   <p:txStyles>
     <p:titleStyle>
@@ -2914,17 +3082,10 @@
         <p:cNvGrpSpPr/>
         <p:nvPr/>
       </p:nvGrpSpPr>
-      <p:grpSpPr>
-        <a:xfrm>
-          <a:off x="0" y="0"/>
-          <a:ext cx="0" cy="0"/>
-          <a:chOff x="0" y="0"/>
-          <a:chExt cx="0" cy="0"/>
-        </a:xfrm>
-      </p:grpSpPr>
-      <p:sp>
-        <p:nvSpPr>
-          <p:cNvPr id="5" name="Rectangle 4"/>
+      <p:grpSpPr/>
+      <p:sp>
+        <p:nvSpPr>
+          <p:cNvPr id="17" name="Rectangle 4"/>
           <p:cNvSpPr/>
           <p:nvPr/>
         </p:nvSpPr>
@@ -2955,7 +3116,6 @@
         </p:style>
         <p:txBody>
           <a:bodyPr rtlCol="0" anchor="ctr"/>
-          <a:lstStyle/>
           <a:p>
             <a:pPr algn="ctr"/>
             <a:endParaRPr lang="en-US"/>
@@ -2964,7 +3124,7 @@
       </p:sp>
       <p:pic>
         <p:nvPicPr>
-          <p:cNvPr id="12" name="Picture 11"/>
+          <p:cNvPr id="18" name="Picture 17"/>
           <p:cNvPicPr>
             <a:picLocks noChangeAspect="1"/>
           </p:cNvPicPr>
@@ -2994,25 +3154,44 @@
       </p:pic>
       <p:sp>
         <p:nvSpPr>
-          <p:cNvPr id="14" name="Title 28"/>
-          <p:cNvSpPr>
-            <a:spLocks noGrp="1"/>
-          </p:cNvSpPr>
-          <p:nvPr>
-            <p:ph type="title"/>
-          </p:nvPr>
+          <p:cNvPr id="19" name="Title 28"/>
+          <p:cNvSpPr>
+            <a:spLocks noGrp="1"/>
+          </p:cNvSpPr>
+          <p:nvPr/>
         </p:nvSpPr>
         <p:spPr>
           <a:xfrm>
             <a:off x="149039" y="6395386"/>
             <a:ext cx="2443915" cy="310899"/>
           </a:xfrm>
-        </p:spPr>
-        <p:txBody>
-          <a:bodyPr>
+          <a:prstGeom prst="rect">
+            <a:avLst/>
+          </a:prstGeom>
+        </p:spPr>
+        <p:txBody>
+          <a:bodyPr vert="horz" lIns="91440" tIns="45720" rIns="91440" bIns="45720" rtlCol="0" anchor="ctr">
             <a:noAutofit/>
           </a:bodyPr>
-          <a:lstStyle/>
+          <a:lstStyle>
+            <a:lvl1pPr algn="l" defTabSz="914400" rtl="0" eaLnBrk="1" latinLnBrk="0" hangingPunct="1">
+              <a:lnSpc>
+                <a:spcPct val="90000"/>
+              </a:lnSpc>
+              <a:spcBef>
+                <a:spcPct val="0"/>
+              </a:spcBef>
+              <a:buNone/>
+              <a:defRPr sz="4400" kern="1200">
+                <a:solidFill>
+                  <a:schemeClr val="tx1"/>
+                </a:solidFill>
+                <a:latin typeface="+mj-lt"/>
+                <a:ea typeface="+mj-ea"/>
+                <a:cs typeface="+mj-cs"/>
+              </a:defRPr>
+            </a:lvl1pPr>
+          </a:lstStyle>
           <a:p>
             <a:pPr algn="ctr"/>
             <a:r>
@@ -3025,7 +3204,7 @@
       </p:sp>
       <p:pic>
         <p:nvPicPr>
-          <p:cNvPr id="15" name="Picture 14"/>
+          <p:cNvPr id="20" name="Picture 19"/>
           <p:cNvPicPr>
             <a:picLocks noChangeAspect="1"/>
           </p:cNvPicPr>
@@ -3055,80 +3234,37 @@
       </p:pic>
       <p:sp>
         <p:nvSpPr>
-          <p:cNvPr id="2" name="Title 1"/>
-          <p:cNvSpPr/>
-          <p:nvPr>
-            <p:ph type="title"/>
-          </p:nvPr>
+          <p:cNvPr id="21" name="Text Box 20"/>
+          <p:cNvSpPr txBox="1"/>
+          <p:nvPr/>
         </p:nvSpPr>
         <p:spPr>
           <a:xfrm>
-            <a:off x="838200" y="365125"/>
-            <a:ext cx="7286625" cy="908685"/>
-          </a:xfrm>
-        </p:spPr>
-        <p:txBody>
-          <a:bodyPr/>
-          <a:p>
-            <a:r>
-              <a:rPr kumimoji="1" lang="en-US" altLang="zh-TW" sz="2000" b="1">
-                <a:solidFill>
-                  <a:srgbClr val="FFFFFF"/>
-                </a:solidFill>
-                <a:effectLst>
-                  <a:glow rad="127000">
-                    <a:srgbClr val="333399">
-                      <a:lumMod val="75000"/>
-                    </a:srgbClr>
-                  </a:glow>
-                </a:effectLst>
-                <a:latin typeface="Microsoft JhengHei" panose="020B0604030504040204" pitchFamily="34" charset="-120"/>
-                <a:ea typeface="Microsoft JhengHei" panose="020B0604030504040204" pitchFamily="34" charset="-120"/>
-                <a:sym typeface="+mn-ea"/>
-              </a:rPr>
+            <a:off x="912495" y="984250"/>
+            <a:ext cx="4064000" cy="645160"/>
+          </a:xfrm>
+          <a:prstGeom prst="rect">
+            <a:avLst/>
+          </a:prstGeom>
+          <a:noFill/>
+        </p:spPr>
+        <p:txBody>
+          <a:bodyPr wrap="square" rtlCol="0">
+            <a:spAutoFit/>
+          </a:bodyPr>
+          <a:p>
+            <a:r>
+              <a:rPr lang="en-US"/>
               <a:t>[CompanyName]</a:t>
             </a:r>
-            <a:endParaRPr lang="en-US" sz="2000"/>
-          </a:p>
-        </p:txBody>
-      </p:sp>
-      <p:sp>
-        <p:nvSpPr>
-          <p:cNvPr id="3" name="Title 2"/>
-          <p:cNvSpPr/>
-          <p:nvPr>
-            <p:ph type="title"/>
-          </p:nvPr>
-        </p:nvSpPr>
-        <p:spPr>
-          <a:xfrm>
-            <a:off x="838200" y="1179830"/>
-            <a:ext cx="10515600" cy="511175"/>
-          </a:xfrm>
-        </p:spPr>
-        <p:txBody>
-          <a:bodyPr>
-            <a:normAutofit/>
-          </a:bodyPr>
-          <a:p>
-            <a:r>
-              <a:rPr lang="en-US" altLang="zh-TW" sz="1665" dirty="0">
-                <a:solidFill>
-                  <a:srgbClr val="FFFFFF"/>
-                </a:solidFill>
-                <a:effectLst>
-                  <a:glow rad="127000">
-                    <a:srgbClr val="333399">
-                      <a:lumMod val="75000"/>
-                    </a:srgbClr>
-                  </a:glow>
-                </a:effectLst>
-                <a:ea typeface="Microsoft JhengHei" panose="020B0604030504040204" pitchFamily="34" charset="-120"/>
-                <a:sym typeface="+mn-ea"/>
-              </a:rPr>
-              <a:t>[CompanyMotto]</a:t>
-            </a:r>
-            <a:endParaRPr lang="en-US" sz="1665"/>
+            <a:endParaRPr lang="en-US"/>
+          </a:p>
+          <a:p>
+            <a:r>
+              <a:rPr lang="en-US"/>
+              <a:t>[ComapnyMotto]</a:t>
+            </a:r>
+            <a:endParaRPr lang="en-US"/>
           </a:p>
         </p:txBody>
       </p:sp>

--- a/latest.pptx
+++ b/latest.pptx
@@ -3241,7 +3241,7 @@
         <p:spPr>
           <a:xfrm>
             <a:off x="912495" y="984250"/>
-            <a:ext cx="4064000" cy="645160"/>
+            <a:ext cx="4064000" cy="368300"/>
           </a:xfrm>
           <a:prstGeom prst="rect">
             <a:avLst/>
@@ -3259,10 +3259,32 @@
             </a:r>
             <a:endParaRPr lang="en-US"/>
           </a:p>
-          <a:p>
-            <a:r>
-              <a:rPr lang="en-US"/>
-              <a:t>[ComapnyMotto]</a:t>
+        </p:txBody>
+      </p:sp>
+      <p:sp>
+        <p:nvSpPr>
+          <p:cNvPr id="2" name="Text Box 1"/>
+          <p:cNvSpPr txBox="1"/>
+          <p:nvPr/>
+        </p:nvSpPr>
+        <p:spPr>
+          <a:xfrm>
+            <a:off x="912495" y="1524000"/>
+            <a:ext cx="4064000" cy="368300"/>
+          </a:xfrm>
+          <a:prstGeom prst="rect">
+            <a:avLst/>
+          </a:prstGeom>
+          <a:noFill/>
+        </p:spPr>
+        <p:txBody>
+          <a:bodyPr wrap="square" rtlCol="0">
+            <a:spAutoFit/>
+          </a:bodyPr>
+          <a:p>
+            <a:r>
+              <a:rPr lang="en-US"/>
+              <a:t>[CompanyMotto]</a:t>
             </a:r>
             <a:endParaRPr lang="en-US"/>
           </a:p>
